--- a/woRldnews.pptx
+++ b/woRldnews.pptx
@@ -117,6 +117,11 @@
       </a:defRPr>
     </a:lvl9pPr>
   </p:defaultTextStyle>
+  <p:extLst>
+    <p:ext uri="{EFAFB233-063F-42B5-8137-9DF3F51BA10A}">
+      <p15:sldGuideLst xmlns:p15="http://schemas.microsoft.com/office/powerpoint/2012/main"/>
+    </p:ext>
+  </p:extLst>
 </p:presentation>
 </file>
 
@@ -1124,101 +1129,6 @@
             <pc:docMk/>
             <pc:sldMasterMk cId="2029670573" sldId="2147483648"/>
             <pc:sldLayoutMk cId="1473674430" sldId="2147483659"/>
-          </pc:sldLayoutMkLst>
-        </pc:sldLayoutChg>
-      </pc:sldMasterChg>
-      <pc:sldMasterChg chg="add del replId addSldLayout delSldLayout">
-        <pc:chgData name="Alex Cleveringa" userId="98a6d86344d97c14" providerId="LiveId" clId="{6A2E8E02-26FC-45CD-A32D-763B95EA5AF5}" dt="2022-05-01T23:33:09.289" v="76" actId="26606"/>
-        <pc:sldMasterMkLst>
-          <pc:docMk/>
-          <pc:sldMasterMk cId="930909223" sldId="2147483660"/>
-        </pc:sldMasterMkLst>
-        <pc:sldLayoutChg chg="add del">
-          <pc:chgData name="Alex Cleveringa" userId="98a6d86344d97c14" providerId="LiveId" clId="{6A2E8E02-26FC-45CD-A32D-763B95EA5AF5}" dt="2022-05-01T23:33:09.289" v="76" actId="26606"/>
-          <pc:sldLayoutMkLst>
-            <pc:docMk/>
-            <pc:sldMasterMk cId="930909223" sldId="2147483660"/>
-            <pc:sldLayoutMk cId="937534387" sldId="2147483661"/>
-          </pc:sldLayoutMkLst>
-        </pc:sldLayoutChg>
-        <pc:sldLayoutChg chg="add del replId">
-          <pc:chgData name="Alex Cleveringa" userId="98a6d86344d97c14" providerId="LiveId" clId="{6A2E8E02-26FC-45CD-A32D-763B95EA5AF5}" dt="2022-05-01T23:33:09.289" v="76" actId="26606"/>
-          <pc:sldLayoutMkLst>
-            <pc:docMk/>
-            <pc:sldMasterMk cId="930909223" sldId="2147483660"/>
-            <pc:sldLayoutMk cId="4068251940" sldId="2147483662"/>
-          </pc:sldLayoutMkLst>
-        </pc:sldLayoutChg>
-        <pc:sldLayoutChg chg="add del replId">
-          <pc:chgData name="Alex Cleveringa" userId="98a6d86344d97c14" providerId="LiveId" clId="{6A2E8E02-26FC-45CD-A32D-763B95EA5AF5}" dt="2022-05-01T23:33:09.289" v="76" actId="26606"/>
-          <pc:sldLayoutMkLst>
-            <pc:docMk/>
-            <pc:sldMasterMk cId="930909223" sldId="2147483660"/>
-            <pc:sldLayoutMk cId="1215718820" sldId="2147483663"/>
-          </pc:sldLayoutMkLst>
-        </pc:sldLayoutChg>
-        <pc:sldLayoutChg chg="add del replId">
-          <pc:chgData name="Alex Cleveringa" userId="98a6d86344d97c14" providerId="LiveId" clId="{6A2E8E02-26FC-45CD-A32D-763B95EA5AF5}" dt="2022-05-01T23:33:09.289" v="76" actId="26606"/>
-          <pc:sldLayoutMkLst>
-            <pc:docMk/>
-            <pc:sldMasterMk cId="930909223" sldId="2147483660"/>
-            <pc:sldLayoutMk cId="3672427596" sldId="2147483664"/>
-          </pc:sldLayoutMkLst>
-        </pc:sldLayoutChg>
-        <pc:sldLayoutChg chg="add del replId">
-          <pc:chgData name="Alex Cleveringa" userId="98a6d86344d97c14" providerId="LiveId" clId="{6A2E8E02-26FC-45CD-A32D-763B95EA5AF5}" dt="2022-05-01T23:33:09.289" v="76" actId="26606"/>
-          <pc:sldLayoutMkLst>
-            <pc:docMk/>
-            <pc:sldMasterMk cId="930909223" sldId="2147483660"/>
-            <pc:sldLayoutMk cId="539937419" sldId="2147483665"/>
-          </pc:sldLayoutMkLst>
-        </pc:sldLayoutChg>
-        <pc:sldLayoutChg chg="add del replId">
-          <pc:chgData name="Alex Cleveringa" userId="98a6d86344d97c14" providerId="LiveId" clId="{6A2E8E02-26FC-45CD-A32D-763B95EA5AF5}" dt="2022-05-01T23:33:09.289" v="76" actId="26606"/>
-          <pc:sldLayoutMkLst>
-            <pc:docMk/>
-            <pc:sldMasterMk cId="930909223" sldId="2147483660"/>
-            <pc:sldLayoutMk cId="1337339813" sldId="2147483666"/>
-          </pc:sldLayoutMkLst>
-        </pc:sldLayoutChg>
-        <pc:sldLayoutChg chg="add del replId">
-          <pc:chgData name="Alex Cleveringa" userId="98a6d86344d97c14" providerId="LiveId" clId="{6A2E8E02-26FC-45CD-A32D-763B95EA5AF5}" dt="2022-05-01T23:33:09.289" v="76" actId="26606"/>
-          <pc:sldLayoutMkLst>
-            <pc:docMk/>
-            <pc:sldMasterMk cId="930909223" sldId="2147483660"/>
-            <pc:sldLayoutMk cId="1563626316" sldId="2147483667"/>
-          </pc:sldLayoutMkLst>
-        </pc:sldLayoutChg>
-        <pc:sldLayoutChg chg="add del replId">
-          <pc:chgData name="Alex Cleveringa" userId="98a6d86344d97c14" providerId="LiveId" clId="{6A2E8E02-26FC-45CD-A32D-763B95EA5AF5}" dt="2022-05-01T23:33:09.289" v="76" actId="26606"/>
-          <pc:sldLayoutMkLst>
-            <pc:docMk/>
-            <pc:sldMasterMk cId="930909223" sldId="2147483660"/>
-            <pc:sldLayoutMk cId="1427770858" sldId="2147483668"/>
-          </pc:sldLayoutMkLst>
-        </pc:sldLayoutChg>
-        <pc:sldLayoutChg chg="add del replId">
-          <pc:chgData name="Alex Cleveringa" userId="98a6d86344d97c14" providerId="LiveId" clId="{6A2E8E02-26FC-45CD-A32D-763B95EA5AF5}" dt="2022-05-01T23:33:09.289" v="76" actId="26606"/>
-          <pc:sldLayoutMkLst>
-            <pc:docMk/>
-            <pc:sldMasterMk cId="930909223" sldId="2147483660"/>
-            <pc:sldLayoutMk cId="3850847478" sldId="2147483669"/>
-          </pc:sldLayoutMkLst>
-        </pc:sldLayoutChg>
-        <pc:sldLayoutChg chg="add del replId">
-          <pc:chgData name="Alex Cleveringa" userId="98a6d86344d97c14" providerId="LiveId" clId="{6A2E8E02-26FC-45CD-A32D-763B95EA5AF5}" dt="2022-05-01T23:33:09.289" v="76" actId="26606"/>
-          <pc:sldLayoutMkLst>
-            <pc:docMk/>
-            <pc:sldMasterMk cId="930909223" sldId="2147483660"/>
-            <pc:sldLayoutMk cId="3275649260" sldId="2147483670"/>
-          </pc:sldLayoutMkLst>
-        </pc:sldLayoutChg>
-        <pc:sldLayoutChg chg="add del replId">
-          <pc:chgData name="Alex Cleveringa" userId="98a6d86344d97c14" providerId="LiveId" clId="{6A2E8E02-26FC-45CD-A32D-763B95EA5AF5}" dt="2022-05-01T23:33:09.289" v="76" actId="26606"/>
-          <pc:sldLayoutMkLst>
-            <pc:docMk/>
-            <pc:sldMasterMk cId="930909223" sldId="2147483660"/>
-            <pc:sldLayoutMk cId="1229167988" sldId="2147483671"/>
           </pc:sldLayoutMkLst>
         </pc:sldLayoutChg>
       </pc:sldMasterChg>
@@ -2047,7 +1957,7 @@
           <a:p>
             <a:fld id="{07DEF4BA-BE9A-4D69-842C-6271C745D890}" type="datetimeFigureOut">
               <a:rPr lang="en-US" smtClean="0"/>
-              <a:t>5/1/2022</a:t>
+              <a:t>5/2/22</a:t>
             </a:fld>
             <a:endParaRPr lang="en-US"/>
           </a:p>
@@ -2245,7 +2155,7 @@
           <a:p>
             <a:fld id="{07DEF4BA-BE9A-4D69-842C-6271C745D890}" type="datetimeFigureOut">
               <a:rPr lang="en-US" smtClean="0"/>
-              <a:t>5/1/2022</a:t>
+              <a:t>5/2/22</a:t>
             </a:fld>
             <a:endParaRPr lang="en-US"/>
           </a:p>
@@ -2453,7 +2363,7 @@
           <a:p>
             <a:fld id="{07DEF4BA-BE9A-4D69-842C-6271C745D890}" type="datetimeFigureOut">
               <a:rPr lang="en-US" smtClean="0"/>
-              <a:t>5/1/2022</a:t>
+              <a:t>5/2/22</a:t>
             </a:fld>
             <a:endParaRPr lang="en-US"/>
           </a:p>
@@ -2651,7 +2561,7 @@
           <a:p>
             <a:fld id="{07DEF4BA-BE9A-4D69-842C-6271C745D890}" type="datetimeFigureOut">
               <a:rPr lang="en-US" smtClean="0"/>
-              <a:t>5/1/2022</a:t>
+              <a:t>5/2/22</a:t>
             </a:fld>
             <a:endParaRPr lang="en-US"/>
           </a:p>
@@ -2926,7 +2836,7 @@
           <a:p>
             <a:fld id="{07DEF4BA-BE9A-4D69-842C-6271C745D890}" type="datetimeFigureOut">
               <a:rPr lang="en-US" smtClean="0"/>
-              <a:t>5/1/2022</a:t>
+              <a:t>5/2/22</a:t>
             </a:fld>
             <a:endParaRPr lang="en-US"/>
           </a:p>
@@ -3191,7 +3101,7 @@
           <a:p>
             <a:fld id="{07DEF4BA-BE9A-4D69-842C-6271C745D890}" type="datetimeFigureOut">
               <a:rPr lang="en-US" smtClean="0"/>
-              <a:t>5/1/2022</a:t>
+              <a:t>5/2/22</a:t>
             </a:fld>
             <a:endParaRPr lang="en-US"/>
           </a:p>
@@ -3603,7 +3513,7 @@
           <a:p>
             <a:fld id="{07DEF4BA-BE9A-4D69-842C-6271C745D890}" type="datetimeFigureOut">
               <a:rPr lang="en-US" smtClean="0"/>
-              <a:t>5/1/2022</a:t>
+              <a:t>5/2/22</a:t>
             </a:fld>
             <a:endParaRPr lang="en-US"/>
           </a:p>
@@ -3744,7 +3654,7 @@
           <a:p>
             <a:fld id="{07DEF4BA-BE9A-4D69-842C-6271C745D890}" type="datetimeFigureOut">
               <a:rPr lang="en-US" smtClean="0"/>
-              <a:t>5/1/2022</a:t>
+              <a:t>5/2/22</a:t>
             </a:fld>
             <a:endParaRPr lang="en-US"/>
           </a:p>
@@ -3857,7 +3767,7 @@
           <a:p>
             <a:fld id="{07DEF4BA-BE9A-4D69-842C-6271C745D890}" type="datetimeFigureOut">
               <a:rPr lang="en-US" smtClean="0"/>
-              <a:t>5/1/2022</a:t>
+              <a:t>5/2/22</a:t>
             </a:fld>
             <a:endParaRPr lang="en-US"/>
           </a:p>
@@ -4168,7 +4078,7 @@
           <a:p>
             <a:fld id="{07DEF4BA-BE9A-4D69-842C-6271C745D890}" type="datetimeFigureOut">
               <a:rPr lang="en-US" smtClean="0"/>
-              <a:t>5/1/2022</a:t>
+              <a:t>5/2/22</a:t>
             </a:fld>
             <a:endParaRPr lang="en-US"/>
           </a:p>
@@ -4456,7 +4366,7 @@
           <a:p>
             <a:fld id="{07DEF4BA-BE9A-4D69-842C-6271C745D890}" type="datetimeFigureOut">
               <a:rPr lang="en-US" smtClean="0"/>
-              <a:t>5/1/2022</a:t>
+              <a:t>5/2/22</a:t>
             </a:fld>
             <a:endParaRPr lang="en-US"/>
           </a:p>
@@ -4697,7 +4607,7 @@
           <a:p>
             <a:fld id="{07DEF4BA-BE9A-4D69-842C-6271C745D890}" type="datetimeFigureOut">
               <a:rPr lang="en-US" smtClean="0"/>
-              <a:t>5/1/2022</a:t>
+              <a:t>5/2/22</a:t>
             </a:fld>
             <a:endParaRPr lang="en-US"/>
           </a:p>
@@ -5344,56 +5254,6 @@
           <a:chExt cx="0" cy="0"/>
         </a:xfrm>
       </p:grpSpPr>
-      <p:sp>
-        <p:nvSpPr>
-          <p:cNvPr id="2" name="Title 1">
-            <a:extLst>
-              <a:ext uri="{FF2B5EF4-FFF2-40B4-BE49-F238E27FC236}">
-                <a16:creationId xmlns:a16="http://schemas.microsoft.com/office/drawing/2014/main" id="{7299C72D-0A47-4767-B204-442940713B93}"/>
-              </a:ext>
-            </a:extLst>
-          </p:cNvPr>
-          <p:cNvSpPr>
-            <a:spLocks noGrp="1"/>
-          </p:cNvSpPr>
-          <p:nvPr>
-            <p:ph type="title"/>
-          </p:nvPr>
-        </p:nvSpPr>
-        <p:spPr/>
-        <p:txBody>
-          <a:bodyPr/>
-          <a:lstStyle/>
-          <a:p>
-            <a:endParaRPr lang="en-US"/>
-          </a:p>
-        </p:txBody>
-      </p:sp>
-      <p:sp>
-        <p:nvSpPr>
-          <p:cNvPr id="3" name="Content Placeholder 2">
-            <a:extLst>
-              <a:ext uri="{FF2B5EF4-FFF2-40B4-BE49-F238E27FC236}">
-                <a16:creationId xmlns:a16="http://schemas.microsoft.com/office/drawing/2014/main" id="{488503CC-AEC4-40CC-8E89-9934F6F1D124}"/>
-              </a:ext>
-            </a:extLst>
-          </p:cNvPr>
-          <p:cNvSpPr>
-            <a:spLocks noGrp="1"/>
-          </p:cNvSpPr>
-          <p:nvPr>
-            <p:ph idx="1"/>
-          </p:nvPr>
-        </p:nvSpPr>
-        <p:spPr/>
-        <p:txBody>
-          <a:bodyPr/>
-          <a:lstStyle/>
-          <a:p>
-            <a:endParaRPr lang="en-US" dirty="0"/>
-          </a:p>
-        </p:txBody>
-      </p:sp>
       <p:pic>
         <p:nvPicPr>
           <p:cNvPr id="5" name="Picture 4">
@@ -5865,40 +5725,21 @@
             <p:ph type="title"/>
           </p:nvPr>
         </p:nvSpPr>
-        <p:spPr/>
+        <p:spPr>
+          <a:xfrm>
+            <a:off x="702623" y="2611839"/>
+            <a:ext cx="10515600" cy="1325563"/>
+          </a:xfrm>
+        </p:spPr>
         <p:txBody>
           <a:bodyPr/>
           <a:lstStyle/>
           <a:p>
+            <a:pPr algn="ctr"/>
             <a:r>
               <a:rPr lang="en-US" dirty="0"/>
               <a:t>Thank you!</a:t>
             </a:r>
-          </a:p>
-        </p:txBody>
-      </p:sp>
-      <p:sp>
-        <p:nvSpPr>
-          <p:cNvPr id="3" name="Content Placeholder 2">
-            <a:extLst>
-              <a:ext uri="{FF2B5EF4-FFF2-40B4-BE49-F238E27FC236}">
-                <a16:creationId xmlns:a16="http://schemas.microsoft.com/office/drawing/2014/main" id="{A266793A-CAE6-472C-9065-81EA728F4CF6}"/>
-              </a:ext>
-            </a:extLst>
-          </p:cNvPr>
-          <p:cNvSpPr>
-            <a:spLocks noGrp="1"/>
-          </p:cNvSpPr>
-          <p:nvPr>
-            <p:ph idx="1"/>
-          </p:nvPr>
-        </p:nvSpPr>
-        <p:spPr/>
-        <p:txBody>
-          <a:bodyPr/>
-          <a:lstStyle/>
-          <a:p>
-            <a:endParaRPr lang="en-US" dirty="0"/>
           </a:p>
         </p:txBody>
       </p:sp>
@@ -6288,56 +6129,6 @@
           <a:chExt cx="0" cy="0"/>
         </a:xfrm>
       </p:grpSpPr>
-      <p:sp>
-        <p:nvSpPr>
-          <p:cNvPr id="2" name="Title 1">
-            <a:extLst>
-              <a:ext uri="{FF2B5EF4-FFF2-40B4-BE49-F238E27FC236}">
-                <a16:creationId xmlns:a16="http://schemas.microsoft.com/office/drawing/2014/main" id="{0B63E2E9-F32E-496B-BF60-9EDE3EAEC717}"/>
-              </a:ext>
-            </a:extLst>
-          </p:cNvPr>
-          <p:cNvSpPr>
-            <a:spLocks noGrp="1"/>
-          </p:cNvSpPr>
-          <p:nvPr>
-            <p:ph type="title"/>
-          </p:nvPr>
-        </p:nvSpPr>
-        <p:spPr/>
-        <p:txBody>
-          <a:bodyPr/>
-          <a:lstStyle/>
-          <a:p>
-            <a:endParaRPr lang="en-US"/>
-          </a:p>
-        </p:txBody>
-      </p:sp>
-      <p:sp>
-        <p:nvSpPr>
-          <p:cNvPr id="3" name="Content Placeholder 2">
-            <a:extLst>
-              <a:ext uri="{FF2B5EF4-FFF2-40B4-BE49-F238E27FC236}">
-                <a16:creationId xmlns:a16="http://schemas.microsoft.com/office/drawing/2014/main" id="{D81554E4-8A6B-44DE-B554-0E9792BE3364}"/>
-              </a:ext>
-            </a:extLst>
-          </p:cNvPr>
-          <p:cNvSpPr>
-            <a:spLocks noGrp="1"/>
-          </p:cNvSpPr>
-          <p:nvPr>
-            <p:ph idx="1"/>
-          </p:nvPr>
-        </p:nvSpPr>
-        <p:spPr/>
-        <p:txBody>
-          <a:bodyPr/>
-          <a:lstStyle/>
-          <a:p>
-            <a:endParaRPr lang="en-US" dirty="0"/>
-          </a:p>
-        </p:txBody>
-      </p:sp>
       <p:pic>
         <p:nvPicPr>
           <p:cNvPr id="5" name="Picture 4">
@@ -6884,10 +6675,10 @@
       </p:pic>
       <p:pic>
         <p:nvPicPr>
-          <p:cNvPr id="9" name="Picture 8">
-            <a:extLst>
-              <a:ext uri="{FF2B5EF4-FFF2-40B4-BE49-F238E27FC236}">
-                <a16:creationId xmlns:a16="http://schemas.microsoft.com/office/drawing/2014/main" id="{D1E9474C-CED3-49C4-8714-F8E59CC55817}"/>
+          <p:cNvPr id="11" name="Picture 10">
+            <a:extLst>
+              <a:ext uri="{FF2B5EF4-FFF2-40B4-BE49-F238E27FC236}">
+                <a16:creationId xmlns:a16="http://schemas.microsoft.com/office/drawing/2014/main" id="{54E4FAAE-DEB1-49B8-BD98-DDCCF0D18D41}"/>
               </a:ext>
             </a:extLst>
           </p:cNvPr>
@@ -6898,36 +6689,6 @@
         </p:nvPicPr>
         <p:blipFill>
           <a:blip r:embed="rId3"/>
-          <a:stretch>
-            <a:fillRect/>
-          </a:stretch>
-        </p:blipFill>
-        <p:spPr>
-          <a:xfrm>
-            <a:off x="838200" y="1996073"/>
-            <a:ext cx="9284177" cy="2730640"/>
-          </a:xfrm>
-          <a:prstGeom prst="rect">
-            <a:avLst/>
-          </a:prstGeom>
-        </p:spPr>
-      </p:pic>
-      <p:pic>
-        <p:nvPicPr>
-          <p:cNvPr id="11" name="Picture 10">
-            <a:extLst>
-              <a:ext uri="{FF2B5EF4-FFF2-40B4-BE49-F238E27FC236}">
-                <a16:creationId xmlns:a16="http://schemas.microsoft.com/office/drawing/2014/main" id="{54E4FAAE-DEB1-49B8-BD98-DDCCF0D18D41}"/>
-              </a:ext>
-            </a:extLst>
-          </p:cNvPr>
-          <p:cNvPicPr>
-            <a:picLocks noChangeAspect="1"/>
-          </p:cNvPicPr>
-          <p:nvPr/>
-        </p:nvPicPr>
-        <p:blipFill>
-          <a:blip r:embed="rId4"/>
           <a:stretch>
             <a:fillRect/>
           </a:stretch>
@@ -6981,51 +6742,6 @@
                                     <p:set>
                                       <p:cBhvr>
                                         <p:cTn id="6" dur="1" fill="hold">
-                                          <p:stCondLst>
-                                            <p:cond delay="0"/>
-                                          </p:stCondLst>
-                                        </p:cTn>
-                                        <p:tgtEl>
-                                          <p:spTgt spid="9"/>
-                                        </p:tgtEl>
-                                        <p:attrNameLst>
-                                          <p:attrName>style.visibility</p:attrName>
-                                        </p:attrNameLst>
-                                      </p:cBhvr>
-                                      <p:to>
-                                        <p:strVal val="visible"/>
-                                      </p:to>
-                                    </p:set>
-                                  </p:childTnLst>
-                                </p:cTn>
-                              </p:par>
-                            </p:childTnLst>
-                          </p:cTn>
-                        </p:par>
-                      </p:childTnLst>
-                    </p:cTn>
-                  </p:par>
-                  <p:par>
-                    <p:cTn id="7" fill="hold">
-                      <p:stCondLst>
-                        <p:cond delay="indefinite"/>
-                      </p:stCondLst>
-                      <p:childTnLst>
-                        <p:par>
-                          <p:cTn id="8" fill="hold">
-                            <p:stCondLst>
-                              <p:cond delay="0"/>
-                            </p:stCondLst>
-                            <p:childTnLst>
-                              <p:par>
-                                <p:cTn id="9" presetID="1" presetClass="entr" presetSubtype="0" fill="hold" nodeType="clickEffect">
-                                  <p:stCondLst>
-                                    <p:cond delay="0"/>
-                                  </p:stCondLst>
-                                  <p:childTnLst>
-                                    <p:set>
-                                      <p:cBhvr>
-                                        <p:cTn id="10" dur="1" fill="hold">
                                           <p:stCondLst>
                                             <p:cond delay="0"/>
                                           </p:stCondLst>
@@ -7092,56 +6808,6 @@
           <a:chExt cx="0" cy="0"/>
         </a:xfrm>
       </p:grpSpPr>
-      <p:sp>
-        <p:nvSpPr>
-          <p:cNvPr id="2" name="Title 1">
-            <a:extLst>
-              <a:ext uri="{FF2B5EF4-FFF2-40B4-BE49-F238E27FC236}">
-                <a16:creationId xmlns:a16="http://schemas.microsoft.com/office/drawing/2014/main" id="{845D34EF-7C82-41AA-8535-9A23A93FF5B1}"/>
-              </a:ext>
-            </a:extLst>
-          </p:cNvPr>
-          <p:cNvSpPr>
-            <a:spLocks noGrp="1"/>
-          </p:cNvSpPr>
-          <p:nvPr>
-            <p:ph type="title"/>
-          </p:nvPr>
-        </p:nvSpPr>
-        <p:spPr/>
-        <p:txBody>
-          <a:bodyPr/>
-          <a:lstStyle/>
-          <a:p>
-            <a:endParaRPr lang="en-US"/>
-          </a:p>
-        </p:txBody>
-      </p:sp>
-      <p:sp>
-        <p:nvSpPr>
-          <p:cNvPr id="3" name="Content Placeholder 2">
-            <a:extLst>
-              <a:ext uri="{FF2B5EF4-FFF2-40B4-BE49-F238E27FC236}">
-                <a16:creationId xmlns:a16="http://schemas.microsoft.com/office/drawing/2014/main" id="{3F02FB01-5621-456F-98A9-5BB3A1905C43}"/>
-              </a:ext>
-            </a:extLst>
-          </p:cNvPr>
-          <p:cNvSpPr>
-            <a:spLocks noGrp="1"/>
-          </p:cNvSpPr>
-          <p:nvPr>
-            <p:ph idx="1"/>
-          </p:nvPr>
-        </p:nvSpPr>
-        <p:spPr/>
-        <p:txBody>
-          <a:bodyPr/>
-          <a:lstStyle/>
-          <a:p>
-            <a:endParaRPr lang="en-US"/>
-          </a:p>
-        </p:txBody>
-      </p:sp>
       <p:pic>
         <p:nvPicPr>
           <p:cNvPr id="4" name="Picture 3">
@@ -7202,56 +6868,6 @@
           <a:chExt cx="0" cy="0"/>
         </a:xfrm>
       </p:grpSpPr>
-      <p:sp>
-        <p:nvSpPr>
-          <p:cNvPr id="2" name="Title 1">
-            <a:extLst>
-              <a:ext uri="{FF2B5EF4-FFF2-40B4-BE49-F238E27FC236}">
-                <a16:creationId xmlns:a16="http://schemas.microsoft.com/office/drawing/2014/main" id="{6062BFFF-19A7-43A4-A12E-839CE365C108}"/>
-              </a:ext>
-            </a:extLst>
-          </p:cNvPr>
-          <p:cNvSpPr>
-            <a:spLocks noGrp="1"/>
-          </p:cNvSpPr>
-          <p:nvPr>
-            <p:ph type="title"/>
-          </p:nvPr>
-        </p:nvSpPr>
-        <p:spPr/>
-        <p:txBody>
-          <a:bodyPr/>
-          <a:lstStyle/>
-          <a:p>
-            <a:endParaRPr lang="en-US"/>
-          </a:p>
-        </p:txBody>
-      </p:sp>
-      <p:sp>
-        <p:nvSpPr>
-          <p:cNvPr id="3" name="Content Placeholder 2">
-            <a:extLst>
-              <a:ext uri="{FF2B5EF4-FFF2-40B4-BE49-F238E27FC236}">
-                <a16:creationId xmlns:a16="http://schemas.microsoft.com/office/drawing/2014/main" id="{E882EC59-7064-427A-AEE3-A3B0F35E04F7}"/>
-              </a:ext>
-            </a:extLst>
-          </p:cNvPr>
-          <p:cNvSpPr>
-            <a:spLocks noGrp="1"/>
-          </p:cNvSpPr>
-          <p:nvPr>
-            <p:ph idx="1"/>
-          </p:nvPr>
-        </p:nvSpPr>
-        <p:spPr/>
-        <p:txBody>
-          <a:bodyPr/>
-          <a:lstStyle/>
-          <a:p>
-            <a:endParaRPr lang="en-US" dirty="0"/>
-          </a:p>
-        </p:txBody>
-      </p:sp>
       <p:pic>
         <p:nvPicPr>
           <p:cNvPr id="7" name="Picture 6">

--- a/woRldnews.pptx
+++ b/woRldnews.pptx
@@ -138,7 +138,7 @@
   <pc:docChgLst>
     <pc:chgData name="Alex Cleveringa" userId="98a6d86344d97c14" providerId="LiveId" clId="{6A2E8E02-26FC-45CD-A32D-763B95EA5AF5}"/>
     <pc:docChg chg="undo redo custSel addSld delSld modSld sldOrd addMainMaster delMainMaster">
-      <pc:chgData name="Alex Cleveringa" userId="98a6d86344d97c14" providerId="LiveId" clId="{6A2E8E02-26FC-45CD-A32D-763B95EA5AF5}" dt="2022-05-02T17:21:11.235" v="598" actId="20577"/>
+      <pc:chgData name="Alex Cleveringa" userId="98a6d86344d97c14" providerId="LiveId" clId="{6A2E8E02-26FC-45CD-A32D-763B95EA5AF5}" dt="2022-05-03T13:35:32.012" v="711" actId="20577"/>
       <pc:docMkLst>
         <pc:docMk/>
       </pc:docMkLst>
@@ -620,7 +620,7 @@
         </pc:picChg>
       </pc:sldChg>
       <pc:sldChg chg="modSp new mod">
-        <pc:chgData name="Alex Cleveringa" userId="98a6d86344d97c14" providerId="LiveId" clId="{6A2E8E02-26FC-45CD-A32D-763B95EA5AF5}" dt="2022-05-02T05:13:04.017" v="479" actId="20577"/>
+        <pc:chgData name="Alex Cleveringa" userId="98a6d86344d97c14" providerId="LiveId" clId="{6A2E8E02-26FC-45CD-A32D-763B95EA5AF5}" dt="2022-05-02T17:29:21.319" v="688" actId="20577"/>
         <pc:sldMkLst>
           <pc:docMk/>
           <pc:sldMk cId="2709165943" sldId="259"/>
@@ -634,7 +634,7 @@
           </ac:spMkLst>
         </pc:spChg>
         <pc:spChg chg="mod">
-          <ac:chgData name="Alex Cleveringa" userId="98a6d86344d97c14" providerId="LiveId" clId="{6A2E8E02-26FC-45CD-A32D-763B95EA5AF5}" dt="2022-05-02T05:13:04.017" v="479" actId="20577"/>
+          <ac:chgData name="Alex Cleveringa" userId="98a6d86344d97c14" providerId="LiveId" clId="{6A2E8E02-26FC-45CD-A32D-763B95EA5AF5}" dt="2022-05-02T17:29:21.319" v="688" actId="20577"/>
           <ac:spMkLst>
             <pc:docMk/>
             <pc:sldMk cId="2709165943" sldId="259"/>
@@ -869,7 +869,7 @@
         </pc:picChg>
       </pc:sldChg>
       <pc:sldChg chg="addSp delSp modSp new mod">
-        <pc:chgData name="Alex Cleveringa" userId="98a6d86344d97c14" providerId="LiveId" clId="{6A2E8E02-26FC-45CD-A32D-763B95EA5AF5}" dt="2022-05-02T17:21:11.235" v="598" actId="20577"/>
+        <pc:chgData name="Alex Cleveringa" userId="98a6d86344d97c14" providerId="LiveId" clId="{6A2E8E02-26FC-45CD-A32D-763B95EA5AF5}" dt="2022-05-03T13:35:32.012" v="711" actId="20577"/>
         <pc:sldMkLst>
           <pc:docMk/>
           <pc:sldMk cId="2061143872" sldId="266"/>
@@ -883,7 +883,7 @@
           </ac:spMkLst>
         </pc:spChg>
         <pc:spChg chg="mod">
-          <ac:chgData name="Alex Cleveringa" userId="98a6d86344d97c14" providerId="LiveId" clId="{6A2E8E02-26FC-45CD-A32D-763B95EA5AF5}" dt="2022-05-02T17:21:11.235" v="598" actId="20577"/>
+          <ac:chgData name="Alex Cleveringa" userId="98a6d86344d97c14" providerId="LiveId" clId="{6A2E8E02-26FC-45CD-A32D-763B95EA5AF5}" dt="2022-05-03T13:35:32.012" v="711" actId="20577"/>
           <ac:spMkLst>
             <pc:docMk/>
             <pc:sldMk cId="2061143872" sldId="266"/>
@@ -1957,7 +1957,7 @@
           <a:p>
             <a:fld id="{07DEF4BA-BE9A-4D69-842C-6271C745D890}" type="datetimeFigureOut">
               <a:rPr lang="en-US" smtClean="0"/>
-              <a:t>5/2/22</a:t>
+              <a:t>5/3/2022</a:t>
             </a:fld>
             <a:endParaRPr lang="en-US"/>
           </a:p>
@@ -2155,7 +2155,7 @@
           <a:p>
             <a:fld id="{07DEF4BA-BE9A-4D69-842C-6271C745D890}" type="datetimeFigureOut">
               <a:rPr lang="en-US" smtClean="0"/>
-              <a:t>5/2/22</a:t>
+              <a:t>5/3/2022</a:t>
             </a:fld>
             <a:endParaRPr lang="en-US"/>
           </a:p>
@@ -2363,7 +2363,7 @@
           <a:p>
             <a:fld id="{07DEF4BA-BE9A-4D69-842C-6271C745D890}" type="datetimeFigureOut">
               <a:rPr lang="en-US" smtClean="0"/>
-              <a:t>5/2/22</a:t>
+              <a:t>5/3/2022</a:t>
             </a:fld>
             <a:endParaRPr lang="en-US"/>
           </a:p>
@@ -2561,7 +2561,7 @@
           <a:p>
             <a:fld id="{07DEF4BA-BE9A-4D69-842C-6271C745D890}" type="datetimeFigureOut">
               <a:rPr lang="en-US" smtClean="0"/>
-              <a:t>5/2/22</a:t>
+              <a:t>5/3/2022</a:t>
             </a:fld>
             <a:endParaRPr lang="en-US"/>
           </a:p>
@@ -2836,7 +2836,7 @@
           <a:p>
             <a:fld id="{07DEF4BA-BE9A-4D69-842C-6271C745D890}" type="datetimeFigureOut">
               <a:rPr lang="en-US" smtClean="0"/>
-              <a:t>5/2/22</a:t>
+              <a:t>5/3/2022</a:t>
             </a:fld>
             <a:endParaRPr lang="en-US"/>
           </a:p>
@@ -3101,7 +3101,7 @@
           <a:p>
             <a:fld id="{07DEF4BA-BE9A-4D69-842C-6271C745D890}" type="datetimeFigureOut">
               <a:rPr lang="en-US" smtClean="0"/>
-              <a:t>5/2/22</a:t>
+              <a:t>5/3/2022</a:t>
             </a:fld>
             <a:endParaRPr lang="en-US"/>
           </a:p>
@@ -3513,7 +3513,7 @@
           <a:p>
             <a:fld id="{07DEF4BA-BE9A-4D69-842C-6271C745D890}" type="datetimeFigureOut">
               <a:rPr lang="en-US" smtClean="0"/>
-              <a:t>5/2/22</a:t>
+              <a:t>5/3/2022</a:t>
             </a:fld>
             <a:endParaRPr lang="en-US"/>
           </a:p>
@@ -3654,7 +3654,7 @@
           <a:p>
             <a:fld id="{07DEF4BA-BE9A-4D69-842C-6271C745D890}" type="datetimeFigureOut">
               <a:rPr lang="en-US" smtClean="0"/>
-              <a:t>5/2/22</a:t>
+              <a:t>5/3/2022</a:t>
             </a:fld>
             <a:endParaRPr lang="en-US"/>
           </a:p>
@@ -3767,7 +3767,7 @@
           <a:p>
             <a:fld id="{07DEF4BA-BE9A-4D69-842C-6271C745D890}" type="datetimeFigureOut">
               <a:rPr lang="en-US" smtClean="0"/>
-              <a:t>5/2/22</a:t>
+              <a:t>5/3/2022</a:t>
             </a:fld>
             <a:endParaRPr lang="en-US"/>
           </a:p>
@@ -4078,7 +4078,7 @@
           <a:p>
             <a:fld id="{07DEF4BA-BE9A-4D69-842C-6271C745D890}" type="datetimeFigureOut">
               <a:rPr lang="en-US" smtClean="0"/>
-              <a:t>5/2/22</a:t>
+              <a:t>5/3/2022</a:t>
             </a:fld>
             <a:endParaRPr lang="en-US"/>
           </a:p>
@@ -4366,7 +4366,7 @@
           <a:p>
             <a:fld id="{07DEF4BA-BE9A-4D69-842C-6271C745D890}" type="datetimeFigureOut">
               <a:rPr lang="en-US" smtClean="0"/>
-              <a:t>5/2/22</a:t>
+              <a:t>5/3/2022</a:t>
             </a:fld>
             <a:endParaRPr lang="en-US"/>
           </a:p>
@@ -4607,7 +4607,7 @@
           <a:p>
             <a:fld id="{07DEF4BA-BE9A-4D69-842C-6271C745D890}" type="datetimeFigureOut">
               <a:rPr lang="en-US" smtClean="0"/>
-              <a:t>5/2/22</a:t>
+              <a:t>5/3/2022</a:t>
             </a:fld>
             <a:endParaRPr lang="en-US"/>
           </a:p>
@@ -5254,6 +5254,56 @@
           <a:chExt cx="0" cy="0"/>
         </a:xfrm>
       </p:grpSpPr>
+      <p:sp>
+        <p:nvSpPr>
+          <p:cNvPr id="2" name="Title 1">
+            <a:extLst>
+              <a:ext uri="{FF2B5EF4-FFF2-40B4-BE49-F238E27FC236}">
+                <a16:creationId xmlns:a16="http://schemas.microsoft.com/office/drawing/2014/main" id="{7299C72D-0A47-4767-B204-442940713B93}"/>
+              </a:ext>
+            </a:extLst>
+          </p:cNvPr>
+          <p:cNvSpPr>
+            <a:spLocks noGrp="1"/>
+          </p:cNvSpPr>
+          <p:nvPr>
+            <p:ph type="title"/>
+          </p:nvPr>
+        </p:nvSpPr>
+        <p:spPr/>
+        <p:txBody>
+          <a:bodyPr/>
+          <a:lstStyle/>
+          <a:p>
+            <a:endParaRPr lang="en-US"/>
+          </a:p>
+        </p:txBody>
+      </p:sp>
+      <p:sp>
+        <p:nvSpPr>
+          <p:cNvPr id="3" name="Content Placeholder 2">
+            <a:extLst>
+              <a:ext uri="{FF2B5EF4-FFF2-40B4-BE49-F238E27FC236}">
+                <a16:creationId xmlns:a16="http://schemas.microsoft.com/office/drawing/2014/main" id="{488503CC-AEC4-40CC-8E89-9934F6F1D124}"/>
+              </a:ext>
+            </a:extLst>
+          </p:cNvPr>
+          <p:cNvSpPr>
+            <a:spLocks noGrp="1"/>
+          </p:cNvSpPr>
+          <p:nvPr>
+            <p:ph idx="1"/>
+          </p:nvPr>
+        </p:nvSpPr>
+        <p:spPr/>
+        <p:txBody>
+          <a:bodyPr/>
+          <a:lstStyle/>
+          <a:p>
+            <a:endParaRPr lang="en-US" dirty="0"/>
+          </a:p>
+        </p:txBody>
+      </p:sp>
       <p:pic>
         <p:nvPicPr>
           <p:cNvPr id="5" name="Picture 4">
@@ -5677,6 +5727,16 @@
               <a:t>(‘headlines’)</a:t>
             </a:r>
           </a:p>
+          <a:p>
+            <a:r>
+              <a:rPr lang="en-US" dirty="0" err="1"/>
+              <a:t>Runshiny</a:t>
+            </a:r>
+            <a:r>
+              <a:rPr lang="en-US" dirty="0"/>
+              <a:t>(‘articles’)</a:t>
+            </a:r>
+          </a:p>
         </p:txBody>
       </p:sp>
     </p:spTree>
@@ -5725,21 +5785,40 @@
             <p:ph type="title"/>
           </p:nvPr>
         </p:nvSpPr>
-        <p:spPr>
-          <a:xfrm>
-            <a:off x="702623" y="2611839"/>
-            <a:ext cx="10515600" cy="1325563"/>
-          </a:xfrm>
-        </p:spPr>
+        <p:spPr/>
         <p:txBody>
           <a:bodyPr/>
           <a:lstStyle/>
           <a:p>
-            <a:pPr algn="ctr"/>
             <a:r>
               <a:rPr lang="en-US" dirty="0"/>
               <a:t>Thank you!</a:t>
             </a:r>
+          </a:p>
+        </p:txBody>
+      </p:sp>
+      <p:sp>
+        <p:nvSpPr>
+          <p:cNvPr id="3" name="Content Placeholder 2">
+            <a:extLst>
+              <a:ext uri="{FF2B5EF4-FFF2-40B4-BE49-F238E27FC236}">
+                <a16:creationId xmlns:a16="http://schemas.microsoft.com/office/drawing/2014/main" id="{A266793A-CAE6-472C-9065-81EA728F4CF6}"/>
+              </a:ext>
+            </a:extLst>
+          </p:cNvPr>
+          <p:cNvSpPr>
+            <a:spLocks noGrp="1"/>
+          </p:cNvSpPr>
+          <p:nvPr>
+            <p:ph idx="1"/>
+          </p:nvPr>
+        </p:nvSpPr>
+        <p:spPr/>
+        <p:txBody>
+          <a:bodyPr/>
+          <a:lstStyle/>
+          <a:p>
+            <a:endParaRPr lang="en-US" dirty="0"/>
           </a:p>
         </p:txBody>
       </p:sp>
@@ -5843,10 +5922,42 @@
             </a:r>
           </a:p>
           <a:p>
+            <a:pPr lvl="2"/>
+            <a:r>
+              <a:rPr lang="en-US" dirty="0"/>
+              <a:t>3-legged authorization</a:t>
+            </a:r>
+          </a:p>
+          <a:p>
+            <a:pPr lvl="2"/>
+            <a:r>
+              <a:rPr lang="en-US" dirty="0"/>
+              <a:t>2-legged authorization</a:t>
+            </a:r>
+          </a:p>
+          <a:p>
             <a:r>
               <a:rPr lang="en-US" dirty="0"/>
               <a:t>New Plan – News</a:t>
             </a:r>
+          </a:p>
+          <a:p>
+            <a:pPr lvl="1"/>
+            <a:r>
+              <a:rPr lang="en-US" dirty="0"/>
+              <a:t>Parameters</a:t>
+            </a:r>
+          </a:p>
+          <a:p>
+            <a:pPr lvl="1"/>
+            <a:r>
+              <a:rPr lang="en-US" dirty="0"/>
+              <a:t>Examples</a:t>
+            </a:r>
+          </a:p>
+          <a:p>
+            <a:pPr lvl="1"/>
+            <a:endParaRPr lang="en-US" dirty="0"/>
           </a:p>
         </p:txBody>
       </p:sp>
@@ -6129,6 +6240,56 @@
           <a:chExt cx="0" cy="0"/>
         </a:xfrm>
       </p:grpSpPr>
+      <p:sp>
+        <p:nvSpPr>
+          <p:cNvPr id="2" name="Title 1">
+            <a:extLst>
+              <a:ext uri="{FF2B5EF4-FFF2-40B4-BE49-F238E27FC236}">
+                <a16:creationId xmlns:a16="http://schemas.microsoft.com/office/drawing/2014/main" id="{0B63E2E9-F32E-496B-BF60-9EDE3EAEC717}"/>
+              </a:ext>
+            </a:extLst>
+          </p:cNvPr>
+          <p:cNvSpPr>
+            <a:spLocks noGrp="1"/>
+          </p:cNvSpPr>
+          <p:nvPr>
+            <p:ph type="title"/>
+          </p:nvPr>
+        </p:nvSpPr>
+        <p:spPr/>
+        <p:txBody>
+          <a:bodyPr/>
+          <a:lstStyle/>
+          <a:p>
+            <a:endParaRPr lang="en-US"/>
+          </a:p>
+        </p:txBody>
+      </p:sp>
+      <p:sp>
+        <p:nvSpPr>
+          <p:cNvPr id="3" name="Content Placeholder 2">
+            <a:extLst>
+              <a:ext uri="{FF2B5EF4-FFF2-40B4-BE49-F238E27FC236}">
+                <a16:creationId xmlns:a16="http://schemas.microsoft.com/office/drawing/2014/main" id="{D81554E4-8A6B-44DE-B554-0E9792BE3364}"/>
+              </a:ext>
+            </a:extLst>
+          </p:cNvPr>
+          <p:cNvSpPr>
+            <a:spLocks noGrp="1"/>
+          </p:cNvSpPr>
+          <p:nvPr>
+            <p:ph idx="1"/>
+          </p:nvPr>
+        </p:nvSpPr>
+        <p:spPr/>
+        <p:txBody>
+          <a:bodyPr/>
+          <a:lstStyle/>
+          <a:p>
+            <a:endParaRPr lang="en-US" dirty="0"/>
+          </a:p>
+        </p:txBody>
+      </p:sp>
       <p:pic>
         <p:nvPicPr>
           <p:cNvPr id="5" name="Picture 4">
@@ -6675,10 +6836,10 @@
       </p:pic>
       <p:pic>
         <p:nvPicPr>
-          <p:cNvPr id="11" name="Picture 10">
-            <a:extLst>
-              <a:ext uri="{FF2B5EF4-FFF2-40B4-BE49-F238E27FC236}">
-                <a16:creationId xmlns:a16="http://schemas.microsoft.com/office/drawing/2014/main" id="{54E4FAAE-DEB1-49B8-BD98-DDCCF0D18D41}"/>
+          <p:cNvPr id="9" name="Picture 8">
+            <a:extLst>
+              <a:ext uri="{FF2B5EF4-FFF2-40B4-BE49-F238E27FC236}">
+                <a16:creationId xmlns:a16="http://schemas.microsoft.com/office/drawing/2014/main" id="{D1E9474C-CED3-49C4-8714-F8E59CC55817}"/>
               </a:ext>
             </a:extLst>
           </p:cNvPr>
@@ -6689,6 +6850,36 @@
         </p:nvPicPr>
         <p:blipFill>
           <a:blip r:embed="rId3"/>
+          <a:stretch>
+            <a:fillRect/>
+          </a:stretch>
+        </p:blipFill>
+        <p:spPr>
+          <a:xfrm>
+            <a:off x="838200" y="1996073"/>
+            <a:ext cx="9284177" cy="2730640"/>
+          </a:xfrm>
+          <a:prstGeom prst="rect">
+            <a:avLst/>
+          </a:prstGeom>
+        </p:spPr>
+      </p:pic>
+      <p:pic>
+        <p:nvPicPr>
+          <p:cNvPr id="11" name="Picture 10">
+            <a:extLst>
+              <a:ext uri="{FF2B5EF4-FFF2-40B4-BE49-F238E27FC236}">
+                <a16:creationId xmlns:a16="http://schemas.microsoft.com/office/drawing/2014/main" id="{54E4FAAE-DEB1-49B8-BD98-DDCCF0D18D41}"/>
+              </a:ext>
+            </a:extLst>
+          </p:cNvPr>
+          <p:cNvPicPr>
+            <a:picLocks noChangeAspect="1"/>
+          </p:cNvPicPr>
+          <p:nvPr/>
+        </p:nvPicPr>
+        <p:blipFill>
+          <a:blip r:embed="rId4"/>
           <a:stretch>
             <a:fillRect/>
           </a:stretch>
@@ -6742,6 +6933,51 @@
                                     <p:set>
                                       <p:cBhvr>
                                         <p:cTn id="6" dur="1" fill="hold">
+                                          <p:stCondLst>
+                                            <p:cond delay="0"/>
+                                          </p:stCondLst>
+                                        </p:cTn>
+                                        <p:tgtEl>
+                                          <p:spTgt spid="9"/>
+                                        </p:tgtEl>
+                                        <p:attrNameLst>
+                                          <p:attrName>style.visibility</p:attrName>
+                                        </p:attrNameLst>
+                                      </p:cBhvr>
+                                      <p:to>
+                                        <p:strVal val="visible"/>
+                                      </p:to>
+                                    </p:set>
+                                  </p:childTnLst>
+                                </p:cTn>
+                              </p:par>
+                            </p:childTnLst>
+                          </p:cTn>
+                        </p:par>
+                      </p:childTnLst>
+                    </p:cTn>
+                  </p:par>
+                  <p:par>
+                    <p:cTn id="7" fill="hold">
+                      <p:stCondLst>
+                        <p:cond delay="indefinite"/>
+                      </p:stCondLst>
+                      <p:childTnLst>
+                        <p:par>
+                          <p:cTn id="8" fill="hold">
+                            <p:stCondLst>
+                              <p:cond delay="0"/>
+                            </p:stCondLst>
+                            <p:childTnLst>
+                              <p:par>
+                                <p:cTn id="9" presetID="1" presetClass="entr" presetSubtype="0" fill="hold" nodeType="clickEffect">
+                                  <p:stCondLst>
+                                    <p:cond delay="0"/>
+                                  </p:stCondLst>
+                                  <p:childTnLst>
+                                    <p:set>
+                                      <p:cBhvr>
+                                        <p:cTn id="10" dur="1" fill="hold">
                                           <p:stCondLst>
                                             <p:cond delay="0"/>
                                           </p:stCondLst>
@@ -6808,6 +7044,56 @@
           <a:chExt cx="0" cy="0"/>
         </a:xfrm>
       </p:grpSpPr>
+      <p:sp>
+        <p:nvSpPr>
+          <p:cNvPr id="2" name="Title 1">
+            <a:extLst>
+              <a:ext uri="{FF2B5EF4-FFF2-40B4-BE49-F238E27FC236}">
+                <a16:creationId xmlns:a16="http://schemas.microsoft.com/office/drawing/2014/main" id="{845D34EF-7C82-41AA-8535-9A23A93FF5B1}"/>
+              </a:ext>
+            </a:extLst>
+          </p:cNvPr>
+          <p:cNvSpPr>
+            <a:spLocks noGrp="1"/>
+          </p:cNvSpPr>
+          <p:nvPr>
+            <p:ph type="title"/>
+          </p:nvPr>
+        </p:nvSpPr>
+        <p:spPr/>
+        <p:txBody>
+          <a:bodyPr/>
+          <a:lstStyle/>
+          <a:p>
+            <a:endParaRPr lang="en-US"/>
+          </a:p>
+        </p:txBody>
+      </p:sp>
+      <p:sp>
+        <p:nvSpPr>
+          <p:cNvPr id="3" name="Content Placeholder 2">
+            <a:extLst>
+              <a:ext uri="{FF2B5EF4-FFF2-40B4-BE49-F238E27FC236}">
+                <a16:creationId xmlns:a16="http://schemas.microsoft.com/office/drawing/2014/main" id="{3F02FB01-5621-456F-98A9-5BB3A1905C43}"/>
+              </a:ext>
+            </a:extLst>
+          </p:cNvPr>
+          <p:cNvSpPr>
+            <a:spLocks noGrp="1"/>
+          </p:cNvSpPr>
+          <p:nvPr>
+            <p:ph idx="1"/>
+          </p:nvPr>
+        </p:nvSpPr>
+        <p:spPr/>
+        <p:txBody>
+          <a:bodyPr/>
+          <a:lstStyle/>
+          <a:p>
+            <a:endParaRPr lang="en-US"/>
+          </a:p>
+        </p:txBody>
+      </p:sp>
       <p:pic>
         <p:nvPicPr>
           <p:cNvPr id="4" name="Picture 3">
@@ -6868,6 +7154,56 @@
           <a:chExt cx="0" cy="0"/>
         </a:xfrm>
       </p:grpSpPr>
+      <p:sp>
+        <p:nvSpPr>
+          <p:cNvPr id="2" name="Title 1">
+            <a:extLst>
+              <a:ext uri="{FF2B5EF4-FFF2-40B4-BE49-F238E27FC236}">
+                <a16:creationId xmlns:a16="http://schemas.microsoft.com/office/drawing/2014/main" id="{6062BFFF-19A7-43A4-A12E-839CE365C108}"/>
+              </a:ext>
+            </a:extLst>
+          </p:cNvPr>
+          <p:cNvSpPr>
+            <a:spLocks noGrp="1"/>
+          </p:cNvSpPr>
+          <p:nvPr>
+            <p:ph type="title"/>
+          </p:nvPr>
+        </p:nvSpPr>
+        <p:spPr/>
+        <p:txBody>
+          <a:bodyPr/>
+          <a:lstStyle/>
+          <a:p>
+            <a:endParaRPr lang="en-US"/>
+          </a:p>
+        </p:txBody>
+      </p:sp>
+      <p:sp>
+        <p:nvSpPr>
+          <p:cNvPr id="3" name="Content Placeholder 2">
+            <a:extLst>
+              <a:ext uri="{FF2B5EF4-FFF2-40B4-BE49-F238E27FC236}">
+                <a16:creationId xmlns:a16="http://schemas.microsoft.com/office/drawing/2014/main" id="{E882EC59-7064-427A-AEE3-A3B0F35E04F7}"/>
+              </a:ext>
+            </a:extLst>
+          </p:cNvPr>
+          <p:cNvSpPr>
+            <a:spLocks noGrp="1"/>
+          </p:cNvSpPr>
+          <p:nvPr>
+            <p:ph idx="1"/>
+          </p:nvPr>
+        </p:nvSpPr>
+        <p:spPr/>
+        <p:txBody>
+          <a:bodyPr/>
+          <a:lstStyle/>
+          <a:p>
+            <a:endParaRPr lang="en-US" dirty="0"/>
+          </a:p>
+        </p:txBody>
+      </p:sp>
       <p:pic>
         <p:nvPicPr>
           <p:cNvPr id="7" name="Picture 6">
